--- a/math-tutorial.pptx
+++ b/math-tutorial.pptx
@@ -9,6 +9,7 @@
     <p:sldId id="260" r:id="rId3"/>
     <p:sldId id="261" r:id="rId4"/>
     <p:sldId id="262" r:id="rId5"/>
+    <p:sldId id="263" r:id="rId6"/>
   </p:sldIdLst>
   <p:sldSz cx="12192000" cy="6858000"/>
   <p:notesSz cx="6858000" cy="9144000"/>
@@ -261,7 +262,7 @@
           <a:lstStyle/>
           <a:p>
             <a:fld id="{1439C4FD-202A-574D-A577-0DF627027773}" type="datetimeFigureOut">
-              <a:t>6/12/19</a:t>
+              <a:t>6/19/19</a:t>
             </a:fld>
             <a:endParaRPr lang="en-US"/>
           </a:p>
@@ -457,7 +458,7 @@
           <a:lstStyle/>
           <a:p>
             <a:fld id="{1439C4FD-202A-574D-A577-0DF627027773}" type="datetimeFigureOut">
-              <a:t>6/12/19</a:t>
+              <a:t>6/19/19</a:t>
             </a:fld>
             <a:endParaRPr lang="en-US"/>
           </a:p>
@@ -663,7 +664,7 @@
           <a:lstStyle/>
           <a:p>
             <a:fld id="{1439C4FD-202A-574D-A577-0DF627027773}" type="datetimeFigureOut">
-              <a:t>6/12/19</a:t>
+              <a:t>6/19/19</a:t>
             </a:fld>
             <a:endParaRPr lang="en-US"/>
           </a:p>
@@ -859,7 +860,7 @@
           <a:lstStyle/>
           <a:p>
             <a:fld id="{1439C4FD-202A-574D-A577-0DF627027773}" type="datetimeFigureOut">
-              <a:t>6/12/19</a:t>
+              <a:t>6/19/19</a:t>
             </a:fld>
             <a:endParaRPr lang="en-US"/>
           </a:p>
@@ -1132,7 +1133,7 @@
           <a:lstStyle/>
           <a:p>
             <a:fld id="{1439C4FD-202A-574D-A577-0DF627027773}" type="datetimeFigureOut">
-              <a:t>6/12/19</a:t>
+              <a:t>6/19/19</a:t>
             </a:fld>
             <a:endParaRPr lang="en-US"/>
           </a:p>
@@ -1395,7 +1396,7 @@
           <a:lstStyle/>
           <a:p>
             <a:fld id="{1439C4FD-202A-574D-A577-0DF627027773}" type="datetimeFigureOut">
-              <a:t>6/12/19</a:t>
+              <a:t>6/19/19</a:t>
             </a:fld>
             <a:endParaRPr lang="en-US"/>
           </a:p>
@@ -1805,7 +1806,7 @@
           <a:lstStyle/>
           <a:p>
             <a:fld id="{1439C4FD-202A-574D-A577-0DF627027773}" type="datetimeFigureOut">
-              <a:t>6/12/19</a:t>
+              <a:t>6/19/19</a:t>
             </a:fld>
             <a:endParaRPr lang="en-US"/>
           </a:p>
@@ -1944,7 +1945,7 @@
           <a:lstStyle/>
           <a:p>
             <a:fld id="{1439C4FD-202A-574D-A577-0DF627027773}" type="datetimeFigureOut">
-              <a:t>6/12/19</a:t>
+              <a:t>6/19/19</a:t>
             </a:fld>
             <a:endParaRPr lang="en-US"/>
           </a:p>
@@ -2055,7 +2056,7 @@
           <a:lstStyle/>
           <a:p>
             <a:fld id="{1439C4FD-202A-574D-A577-0DF627027773}" type="datetimeFigureOut">
-              <a:t>6/12/19</a:t>
+              <a:t>6/19/19</a:t>
             </a:fld>
             <a:endParaRPr lang="en-US"/>
           </a:p>
@@ -2364,7 +2365,7 @@
           <a:lstStyle/>
           <a:p>
             <a:fld id="{1439C4FD-202A-574D-A577-0DF627027773}" type="datetimeFigureOut">
-              <a:t>6/12/19</a:t>
+              <a:t>6/19/19</a:t>
             </a:fld>
             <a:endParaRPr lang="en-US"/>
           </a:p>
@@ -2650,7 +2651,7 @@
           <a:lstStyle/>
           <a:p>
             <a:fld id="{1439C4FD-202A-574D-A577-0DF627027773}" type="datetimeFigureOut">
-              <a:t>6/12/19</a:t>
+              <a:t>6/19/19</a:t>
             </a:fld>
             <a:endParaRPr lang="en-US"/>
           </a:p>
@@ -2889,7 +2890,7 @@
           </a:lstStyle>
           <a:p>
             <a:fld id="{1439C4FD-202A-574D-A577-0DF627027773}" type="datetimeFigureOut">
-              <a:t>6/12/19</a:t>
+              <a:t>6/19/19</a:t>
             </a:fld>
             <a:endParaRPr lang="en-US"/>
           </a:p>
@@ -4332,6 +4333,267 @@
 </p:sld>
 </file>
 
+<file path=ppt/slides/slide5.xml><?xml version="1.0" encoding="utf-8"?>
+<p:sld xmlns:a="http://schemas.openxmlformats.org/drawingml/2006/main" xmlns:r="http://schemas.openxmlformats.org/officeDocument/2006/relationships" xmlns:p="http://schemas.openxmlformats.org/presentationml/2006/main">
+  <p:cSld>
+    <p:spTree>
+      <p:nvGrpSpPr>
+        <p:cNvPr id="1" name=""/>
+        <p:cNvGrpSpPr/>
+        <p:nvPr/>
+      </p:nvGrpSpPr>
+      <p:grpSpPr>
+        <a:xfrm>
+          <a:off x="0" y="0"/>
+          <a:ext cx="0" cy="0"/>
+          <a:chOff x="0" y="0"/>
+          <a:chExt cx="0" cy="0"/>
+        </a:xfrm>
+      </p:grpSpPr>
+      <p:sp>
+        <p:nvSpPr>
+          <p:cNvPr id="14" name="Rectangle 13">
+            <a:extLst>
+              <a:ext uri="{FF2B5EF4-FFF2-40B4-BE49-F238E27FC236}">
+                <a16:creationId xmlns:a16="http://schemas.microsoft.com/office/drawing/2014/main" id="{477FD363-B852-224A-95BD-B2F426234F37}"/>
+              </a:ext>
+            </a:extLst>
+          </p:cNvPr>
+          <p:cNvSpPr/>
+          <p:nvPr/>
+        </p:nvSpPr>
+        <p:spPr>
+          <a:xfrm>
+            <a:off x="0" y="0"/>
+            <a:ext cx="12192000" cy="6858000"/>
+          </a:xfrm>
+          <a:prstGeom prst="rect">
+            <a:avLst/>
+          </a:prstGeom>
+          <a:solidFill>
+            <a:schemeClr val="accent6">
+              <a:lumMod val="75000"/>
+            </a:schemeClr>
+          </a:solidFill>
+        </p:spPr>
+        <p:style>
+          <a:lnRef idx="0">
+            <a:schemeClr val="accent6"/>
+          </a:lnRef>
+          <a:fillRef idx="3">
+            <a:schemeClr val="accent6"/>
+          </a:fillRef>
+          <a:effectRef idx="3">
+            <a:schemeClr val="accent6"/>
+          </a:effectRef>
+          <a:fontRef idx="minor">
+            <a:schemeClr val="lt1"/>
+          </a:fontRef>
+        </p:style>
+        <p:txBody>
+          <a:bodyPr rtlCol="0" anchor="ctr"/>
+          <a:lstStyle/>
+          <a:p>
+            <a:pPr algn="ctr"/>
+            <a:endParaRPr lang="en-US"/>
+          </a:p>
+        </p:txBody>
+      </p:sp>
+      <p:sp>
+        <p:nvSpPr>
+          <p:cNvPr id="2" name="Oval 1">
+            <a:extLst>
+              <a:ext uri="{FF2B5EF4-FFF2-40B4-BE49-F238E27FC236}">
+                <a16:creationId xmlns:a16="http://schemas.microsoft.com/office/drawing/2014/main" id="{ECE07222-FAD7-084C-9B9D-F1446E2E1CBC}"/>
+              </a:ext>
+            </a:extLst>
+          </p:cNvPr>
+          <p:cNvSpPr/>
+          <p:nvPr/>
+        </p:nvSpPr>
+        <p:spPr>
+          <a:xfrm>
+            <a:off x="834314" y="3410669"/>
+            <a:ext cx="2133600" cy="2133600"/>
+          </a:xfrm>
+          <a:prstGeom prst="ellipse">
+            <a:avLst/>
+          </a:prstGeom>
+        </p:spPr>
+        <p:style>
+          <a:lnRef idx="1">
+            <a:schemeClr val="accent5"/>
+          </a:lnRef>
+          <a:fillRef idx="3">
+            <a:schemeClr val="accent5"/>
+          </a:fillRef>
+          <a:effectRef idx="2">
+            <a:schemeClr val="accent5"/>
+          </a:effectRef>
+          <a:fontRef idx="minor">
+            <a:schemeClr val="lt1"/>
+          </a:fontRef>
+        </p:style>
+        <p:txBody>
+          <a:bodyPr rot="0" spcFirstLastPara="0" vertOverflow="overflow" horzOverflow="overflow" vert="horz" wrap="square" lIns="91440" tIns="45720" rIns="91440" bIns="45720" numCol="1" spcCol="0" rtlCol="0" fromWordArt="0" anchor="ctr" anchorCtr="0" forceAA="0" compatLnSpc="1">
+            <a:prstTxWarp prst="textNoShape">
+              <a:avLst/>
+            </a:prstTxWarp>
+            <a:noAutofit/>
+          </a:bodyPr>
+          <a:lstStyle/>
+          <a:p>
+            <a:pPr algn="ctr"/>
+            <a:r>
+              <a:rPr lang="en-US" sz="9600" b="1">
+                <a:ln w="10160">
+                  <a:solidFill>
+                    <a:schemeClr val="accent5"/>
+                  </a:solidFill>
+                  <a:prstDash val="solid"/>
+                </a:ln>
+                <a:solidFill>
+                  <a:srgbClr val="FFFFFF"/>
+                </a:solidFill>
+                <a:effectLst>
+                  <a:outerShdw blurRad="38100" dist="22860" dir="5400000" algn="tl" rotWithShape="0">
+                    <a:srgbClr val="000000">
+                      <a:alpha val="30000"/>
+                    </a:srgbClr>
+                  </a:outerShdw>
+                </a:effectLst>
+              </a:rPr>
+              <a:t>05</a:t>
+            </a:r>
+          </a:p>
+        </p:txBody>
+      </p:sp>
+      <p:sp>
+        <p:nvSpPr>
+          <p:cNvPr id="10" name="TextBox 9">
+            <a:extLst>
+              <a:ext uri="{FF2B5EF4-FFF2-40B4-BE49-F238E27FC236}">
+                <a16:creationId xmlns:a16="http://schemas.microsoft.com/office/drawing/2014/main" id="{2FF36C00-7839-EE4C-9D22-B402188E680A}"/>
+              </a:ext>
+            </a:extLst>
+          </p:cNvPr>
+          <p:cNvSpPr txBox="1"/>
+          <p:nvPr/>
+        </p:nvSpPr>
+        <p:spPr>
+          <a:xfrm>
+            <a:off x="4031105" y="742955"/>
+            <a:ext cx="7135092" cy="4801314"/>
+          </a:xfrm>
+          <a:prstGeom prst="rect">
+            <a:avLst/>
+          </a:prstGeom>
+          <a:noFill/>
+        </p:spPr>
+        <p:txBody>
+          <a:bodyPr wrap="square" rtlCol="0">
+            <a:spAutoFit/>
+          </a:bodyPr>
+          <a:lstStyle/>
+          <a:p>
+            <a:pPr>
+              <a:lnSpc>
+                <a:spcPct val="150000"/>
+              </a:lnSpc>
+            </a:pPr>
+            <a:r>
+              <a:rPr lang="en-US" sz="7200">
+                <a:ln w="0"/>
+                <a:solidFill>
+                  <a:schemeClr val="bg1"/>
+                </a:solidFill>
+                <a:effectLst>
+                  <a:outerShdw blurRad="38100" dist="19050" dir="2700000" algn="tl" rotWithShape="0">
+                    <a:schemeClr val="dk1">
+                      <a:alpha val="40000"/>
+                    </a:schemeClr>
+                  </a:outerShdw>
+                </a:effectLst>
+              </a:rPr>
+              <a:t>Mathematica</a:t>
+            </a:r>
+          </a:p>
+          <a:p>
+            <a:endParaRPr lang="en-US" sz="6600">
+              <a:ln w="0">
+                <a:solidFill>
+                  <a:schemeClr val="bg1">
+                    <a:lumMod val="95000"/>
+                  </a:schemeClr>
+                </a:solidFill>
+              </a:ln>
+              <a:solidFill>
+                <a:srgbClr val="FFFF00"/>
+              </a:solidFill>
+            </a:endParaRPr>
+          </a:p>
+          <a:p>
+            <a:r>
+              <a:rPr lang="en-US" sz="6600">
+                <a:ln w="0">
+                  <a:solidFill>
+                    <a:schemeClr val="bg1">
+                      <a:lumMod val="95000"/>
+                    </a:schemeClr>
+                  </a:solidFill>
+                </a:ln>
+                <a:solidFill>
+                  <a:srgbClr val="FFFF00"/>
+                </a:solidFill>
+              </a:rPr>
+              <a:t>Hàm số, vẽ đồ thị 2D</a:t>
+            </a:r>
+          </a:p>
+        </p:txBody>
+      </p:sp>
+      <p:pic>
+        <p:nvPicPr>
+          <p:cNvPr id="3" name="Picture 2">
+            <a:extLst>
+              <a:ext uri="{FF2B5EF4-FFF2-40B4-BE49-F238E27FC236}">
+                <a16:creationId xmlns:a16="http://schemas.microsoft.com/office/drawing/2014/main" id="{848042C1-8E08-AF4C-BC32-F482391BE82A}"/>
+              </a:ext>
+            </a:extLst>
+          </p:cNvPr>
+          <p:cNvPicPr>
+            <a:picLocks noChangeAspect="1"/>
+          </p:cNvPicPr>
+          <p:nvPr/>
+        </p:nvPicPr>
+        <p:blipFill>
+          <a:blip r:embed="rId2"/>
+          <a:stretch>
+            <a:fillRect/>
+          </a:stretch>
+        </p:blipFill>
+        <p:spPr>
+          <a:xfrm>
+            <a:off x="501815" y="370115"/>
+            <a:ext cx="2798598" cy="2943545"/>
+          </a:xfrm>
+          <a:prstGeom prst="rect">
+            <a:avLst/>
+          </a:prstGeom>
+        </p:spPr>
+      </p:pic>
+    </p:spTree>
+    <p:extLst>
+      <p:ext uri="{BB962C8B-B14F-4D97-AF65-F5344CB8AC3E}">
+        <p14:creationId xmlns:p14="http://schemas.microsoft.com/office/powerpoint/2010/main" val="3116706292"/>
+      </p:ext>
+    </p:extLst>
+  </p:cSld>
+  <p:clrMapOvr>
+    <a:masterClrMapping/>
+  </p:clrMapOvr>
+</p:sld>
+</file>
+
 <file path=ppt/theme/theme1.xml><?xml version="1.0" encoding="utf-8"?>
 <a:theme xmlns:a="http://schemas.openxmlformats.org/drawingml/2006/main" name="Office Theme">
   <a:themeElements>

--- a/math-tutorial.pptx
+++ b/math-tutorial.pptx
@@ -10,6 +10,12 @@
     <p:sldId id="261" r:id="rId4"/>
     <p:sldId id="262" r:id="rId5"/>
     <p:sldId id="263" r:id="rId6"/>
+    <p:sldId id="264" r:id="rId7"/>
+    <p:sldId id="265" r:id="rId8"/>
+    <p:sldId id="266" r:id="rId9"/>
+    <p:sldId id="267" r:id="rId10"/>
+    <p:sldId id="268" r:id="rId11"/>
+    <p:sldId id="269" r:id="rId12"/>
   </p:sldIdLst>
   <p:sldSz cx="12192000" cy="6858000"/>
   <p:notesSz cx="6858000" cy="9144000"/>
@@ -3550,6 +3556,528 @@
 </p:sld>
 </file>
 
+<file path=ppt/slides/slide10.xml><?xml version="1.0" encoding="utf-8"?>
+<p:sld xmlns:a="http://schemas.openxmlformats.org/drawingml/2006/main" xmlns:r="http://schemas.openxmlformats.org/officeDocument/2006/relationships" xmlns:p="http://schemas.openxmlformats.org/presentationml/2006/main">
+  <p:cSld>
+    <p:spTree>
+      <p:nvGrpSpPr>
+        <p:cNvPr id="1" name=""/>
+        <p:cNvGrpSpPr/>
+        <p:nvPr/>
+      </p:nvGrpSpPr>
+      <p:grpSpPr>
+        <a:xfrm>
+          <a:off x="0" y="0"/>
+          <a:ext cx="0" cy="0"/>
+          <a:chOff x="0" y="0"/>
+          <a:chExt cx="0" cy="0"/>
+        </a:xfrm>
+      </p:grpSpPr>
+      <p:sp>
+        <p:nvSpPr>
+          <p:cNvPr id="14" name="Rectangle 13">
+            <a:extLst>
+              <a:ext uri="{FF2B5EF4-FFF2-40B4-BE49-F238E27FC236}">
+                <a16:creationId xmlns:a16="http://schemas.microsoft.com/office/drawing/2014/main" id="{477FD363-B852-224A-95BD-B2F426234F37}"/>
+              </a:ext>
+            </a:extLst>
+          </p:cNvPr>
+          <p:cNvSpPr/>
+          <p:nvPr/>
+        </p:nvSpPr>
+        <p:spPr>
+          <a:xfrm>
+            <a:off x="0" y="0"/>
+            <a:ext cx="12192000" cy="6858000"/>
+          </a:xfrm>
+          <a:prstGeom prst="rect">
+            <a:avLst/>
+          </a:prstGeom>
+          <a:solidFill>
+            <a:schemeClr val="accent6">
+              <a:lumMod val="75000"/>
+            </a:schemeClr>
+          </a:solidFill>
+        </p:spPr>
+        <p:style>
+          <a:lnRef idx="0">
+            <a:schemeClr val="accent6"/>
+          </a:lnRef>
+          <a:fillRef idx="3">
+            <a:schemeClr val="accent6"/>
+          </a:fillRef>
+          <a:effectRef idx="3">
+            <a:schemeClr val="accent6"/>
+          </a:effectRef>
+          <a:fontRef idx="minor">
+            <a:schemeClr val="lt1"/>
+          </a:fontRef>
+        </p:style>
+        <p:txBody>
+          <a:bodyPr rtlCol="0" anchor="ctr"/>
+          <a:lstStyle/>
+          <a:p>
+            <a:pPr algn="ctr"/>
+            <a:endParaRPr lang="en-US"/>
+          </a:p>
+        </p:txBody>
+      </p:sp>
+      <p:sp>
+        <p:nvSpPr>
+          <p:cNvPr id="2" name="Oval 1">
+            <a:extLst>
+              <a:ext uri="{FF2B5EF4-FFF2-40B4-BE49-F238E27FC236}">
+                <a16:creationId xmlns:a16="http://schemas.microsoft.com/office/drawing/2014/main" id="{ECE07222-FAD7-084C-9B9D-F1446E2E1CBC}"/>
+              </a:ext>
+            </a:extLst>
+          </p:cNvPr>
+          <p:cNvSpPr/>
+          <p:nvPr/>
+        </p:nvSpPr>
+        <p:spPr>
+          <a:xfrm>
+            <a:off x="834314" y="3410669"/>
+            <a:ext cx="2133600" cy="2133600"/>
+          </a:xfrm>
+          <a:prstGeom prst="ellipse">
+            <a:avLst/>
+          </a:prstGeom>
+        </p:spPr>
+        <p:style>
+          <a:lnRef idx="1">
+            <a:schemeClr val="accent5"/>
+          </a:lnRef>
+          <a:fillRef idx="3">
+            <a:schemeClr val="accent5"/>
+          </a:fillRef>
+          <a:effectRef idx="2">
+            <a:schemeClr val="accent5"/>
+          </a:effectRef>
+          <a:fontRef idx="minor">
+            <a:schemeClr val="lt1"/>
+          </a:fontRef>
+        </p:style>
+        <p:txBody>
+          <a:bodyPr rot="0" spcFirstLastPara="0" vertOverflow="overflow" horzOverflow="overflow" vert="horz" wrap="square" lIns="91440" tIns="45720" rIns="91440" bIns="45720" numCol="1" spcCol="0" rtlCol="0" fromWordArt="0" anchor="ctr" anchorCtr="0" forceAA="0" compatLnSpc="1">
+            <a:prstTxWarp prst="textNoShape">
+              <a:avLst/>
+            </a:prstTxWarp>
+            <a:noAutofit/>
+          </a:bodyPr>
+          <a:lstStyle/>
+          <a:p>
+            <a:pPr algn="ctr"/>
+            <a:r>
+              <a:rPr lang="en-US" sz="9600" b="1">
+                <a:ln w="10160">
+                  <a:solidFill>
+                    <a:schemeClr val="accent5"/>
+                  </a:solidFill>
+                  <a:prstDash val="solid"/>
+                </a:ln>
+                <a:solidFill>
+                  <a:srgbClr val="FFFFFF"/>
+                </a:solidFill>
+                <a:effectLst>
+                  <a:outerShdw blurRad="38100" dist="22860" dir="5400000" algn="tl" rotWithShape="0">
+                    <a:srgbClr val="000000">
+                      <a:alpha val="30000"/>
+                    </a:srgbClr>
+                  </a:outerShdw>
+                </a:effectLst>
+              </a:rPr>
+              <a:t>10</a:t>
+            </a:r>
+          </a:p>
+        </p:txBody>
+      </p:sp>
+      <p:sp>
+        <p:nvSpPr>
+          <p:cNvPr id="10" name="TextBox 9">
+            <a:extLst>
+              <a:ext uri="{FF2B5EF4-FFF2-40B4-BE49-F238E27FC236}">
+                <a16:creationId xmlns:a16="http://schemas.microsoft.com/office/drawing/2014/main" id="{2FF36C00-7839-EE4C-9D22-B402188E680A}"/>
+              </a:ext>
+            </a:extLst>
+          </p:cNvPr>
+          <p:cNvSpPr txBox="1"/>
+          <p:nvPr/>
+        </p:nvSpPr>
+        <p:spPr>
+          <a:xfrm>
+            <a:off x="4031105" y="742955"/>
+            <a:ext cx="7135092" cy="3785652"/>
+          </a:xfrm>
+          <a:prstGeom prst="rect">
+            <a:avLst/>
+          </a:prstGeom>
+          <a:noFill/>
+        </p:spPr>
+        <p:txBody>
+          <a:bodyPr wrap="square" rtlCol="0">
+            <a:spAutoFit/>
+          </a:bodyPr>
+          <a:lstStyle/>
+          <a:p>
+            <a:pPr>
+              <a:lnSpc>
+                <a:spcPct val="150000"/>
+              </a:lnSpc>
+            </a:pPr>
+            <a:r>
+              <a:rPr lang="en-US" sz="7200">
+                <a:ln w="0"/>
+                <a:solidFill>
+                  <a:schemeClr val="bg1"/>
+                </a:solidFill>
+                <a:effectLst>
+                  <a:outerShdw blurRad="38100" dist="19050" dir="2700000" algn="tl" rotWithShape="0">
+                    <a:schemeClr val="dk1">
+                      <a:alpha val="40000"/>
+                    </a:schemeClr>
+                  </a:outerShdw>
+                </a:effectLst>
+              </a:rPr>
+              <a:t>Mathematica</a:t>
+            </a:r>
+          </a:p>
+          <a:p>
+            <a:endParaRPr lang="en-US" sz="6600">
+              <a:ln w="0">
+                <a:solidFill>
+                  <a:schemeClr val="bg1">
+                    <a:lumMod val="95000"/>
+                  </a:schemeClr>
+                </a:solidFill>
+              </a:ln>
+              <a:solidFill>
+                <a:srgbClr val="FFFF00"/>
+              </a:solidFill>
+            </a:endParaRPr>
+          </a:p>
+          <a:p>
+            <a:r>
+              <a:rPr lang="en-US" sz="6600">
+                <a:ln w="0">
+                  <a:solidFill>
+                    <a:schemeClr val="bg1">
+                      <a:lumMod val="95000"/>
+                    </a:schemeClr>
+                  </a:solidFill>
+                </a:ln>
+                <a:solidFill>
+                  <a:srgbClr val="FFFF00"/>
+                </a:solidFill>
+              </a:rPr>
+              <a:t>Giải PT Vi Phân</a:t>
+            </a:r>
+          </a:p>
+        </p:txBody>
+      </p:sp>
+      <p:pic>
+        <p:nvPicPr>
+          <p:cNvPr id="3" name="Picture 2">
+            <a:extLst>
+              <a:ext uri="{FF2B5EF4-FFF2-40B4-BE49-F238E27FC236}">
+                <a16:creationId xmlns:a16="http://schemas.microsoft.com/office/drawing/2014/main" id="{848042C1-8E08-AF4C-BC32-F482391BE82A}"/>
+              </a:ext>
+            </a:extLst>
+          </p:cNvPr>
+          <p:cNvPicPr>
+            <a:picLocks noChangeAspect="1"/>
+          </p:cNvPicPr>
+          <p:nvPr/>
+        </p:nvPicPr>
+        <p:blipFill>
+          <a:blip r:embed="rId2"/>
+          <a:stretch>
+            <a:fillRect/>
+          </a:stretch>
+        </p:blipFill>
+        <p:spPr>
+          <a:xfrm>
+            <a:off x="501815" y="370115"/>
+            <a:ext cx="2798598" cy="2943545"/>
+          </a:xfrm>
+          <a:prstGeom prst="rect">
+            <a:avLst/>
+          </a:prstGeom>
+        </p:spPr>
+      </p:pic>
+    </p:spTree>
+    <p:extLst>
+      <p:ext uri="{BB962C8B-B14F-4D97-AF65-F5344CB8AC3E}">
+        <p14:creationId xmlns:p14="http://schemas.microsoft.com/office/powerpoint/2010/main" val="333390942"/>
+      </p:ext>
+    </p:extLst>
+  </p:cSld>
+  <p:clrMapOvr>
+    <a:masterClrMapping/>
+  </p:clrMapOvr>
+</p:sld>
+</file>
+
+<file path=ppt/slides/slide11.xml><?xml version="1.0" encoding="utf-8"?>
+<p:sld xmlns:a="http://schemas.openxmlformats.org/drawingml/2006/main" xmlns:r="http://schemas.openxmlformats.org/officeDocument/2006/relationships" xmlns:p="http://schemas.openxmlformats.org/presentationml/2006/main">
+  <p:cSld>
+    <p:spTree>
+      <p:nvGrpSpPr>
+        <p:cNvPr id="1" name=""/>
+        <p:cNvGrpSpPr/>
+        <p:nvPr/>
+      </p:nvGrpSpPr>
+      <p:grpSpPr>
+        <a:xfrm>
+          <a:off x="0" y="0"/>
+          <a:ext cx="0" cy="0"/>
+          <a:chOff x="0" y="0"/>
+          <a:chExt cx="0" cy="0"/>
+        </a:xfrm>
+      </p:grpSpPr>
+      <p:sp>
+        <p:nvSpPr>
+          <p:cNvPr id="14" name="Rectangle 13">
+            <a:extLst>
+              <a:ext uri="{FF2B5EF4-FFF2-40B4-BE49-F238E27FC236}">
+                <a16:creationId xmlns:a16="http://schemas.microsoft.com/office/drawing/2014/main" id="{477FD363-B852-224A-95BD-B2F426234F37}"/>
+              </a:ext>
+            </a:extLst>
+          </p:cNvPr>
+          <p:cNvSpPr/>
+          <p:nvPr/>
+        </p:nvSpPr>
+        <p:spPr>
+          <a:xfrm>
+            <a:off x="0" y="0"/>
+            <a:ext cx="12192000" cy="6858000"/>
+          </a:xfrm>
+          <a:prstGeom prst="rect">
+            <a:avLst/>
+          </a:prstGeom>
+          <a:solidFill>
+            <a:schemeClr val="accent6">
+              <a:lumMod val="75000"/>
+            </a:schemeClr>
+          </a:solidFill>
+        </p:spPr>
+        <p:style>
+          <a:lnRef idx="0">
+            <a:schemeClr val="accent6"/>
+          </a:lnRef>
+          <a:fillRef idx="3">
+            <a:schemeClr val="accent6"/>
+          </a:fillRef>
+          <a:effectRef idx="3">
+            <a:schemeClr val="accent6"/>
+          </a:effectRef>
+          <a:fontRef idx="minor">
+            <a:schemeClr val="lt1"/>
+          </a:fontRef>
+        </p:style>
+        <p:txBody>
+          <a:bodyPr rtlCol="0" anchor="ctr"/>
+          <a:lstStyle/>
+          <a:p>
+            <a:pPr algn="ctr"/>
+            <a:endParaRPr lang="en-US"/>
+          </a:p>
+        </p:txBody>
+      </p:sp>
+      <p:sp>
+        <p:nvSpPr>
+          <p:cNvPr id="2" name="Oval 1">
+            <a:extLst>
+              <a:ext uri="{FF2B5EF4-FFF2-40B4-BE49-F238E27FC236}">
+                <a16:creationId xmlns:a16="http://schemas.microsoft.com/office/drawing/2014/main" id="{ECE07222-FAD7-084C-9B9D-F1446E2E1CBC}"/>
+              </a:ext>
+            </a:extLst>
+          </p:cNvPr>
+          <p:cNvSpPr/>
+          <p:nvPr/>
+        </p:nvSpPr>
+        <p:spPr>
+          <a:xfrm>
+            <a:off x="834314" y="3410669"/>
+            <a:ext cx="2133600" cy="2133600"/>
+          </a:xfrm>
+          <a:prstGeom prst="ellipse">
+            <a:avLst/>
+          </a:prstGeom>
+        </p:spPr>
+        <p:style>
+          <a:lnRef idx="1">
+            <a:schemeClr val="accent5"/>
+          </a:lnRef>
+          <a:fillRef idx="3">
+            <a:schemeClr val="accent5"/>
+          </a:fillRef>
+          <a:effectRef idx="2">
+            <a:schemeClr val="accent5"/>
+          </a:effectRef>
+          <a:fontRef idx="minor">
+            <a:schemeClr val="lt1"/>
+          </a:fontRef>
+        </p:style>
+        <p:txBody>
+          <a:bodyPr rot="0" spcFirstLastPara="0" vertOverflow="overflow" horzOverflow="overflow" vert="horz" wrap="square" lIns="91440" tIns="45720" rIns="91440" bIns="45720" numCol="1" spcCol="0" rtlCol="0" fromWordArt="0" anchor="ctr" anchorCtr="0" forceAA="0" compatLnSpc="1">
+            <a:prstTxWarp prst="textNoShape">
+              <a:avLst/>
+            </a:prstTxWarp>
+            <a:noAutofit/>
+          </a:bodyPr>
+          <a:lstStyle/>
+          <a:p>
+            <a:pPr algn="ctr"/>
+            <a:r>
+              <a:rPr lang="en-US" sz="9600" b="1">
+                <a:ln w="10160">
+                  <a:solidFill>
+                    <a:schemeClr val="accent5"/>
+                  </a:solidFill>
+                  <a:prstDash val="solid"/>
+                </a:ln>
+                <a:solidFill>
+                  <a:srgbClr val="FFFFFF"/>
+                </a:solidFill>
+                <a:effectLst>
+                  <a:outerShdw blurRad="38100" dist="22860" dir="5400000" algn="tl" rotWithShape="0">
+                    <a:srgbClr val="000000">
+                      <a:alpha val="30000"/>
+                    </a:srgbClr>
+                  </a:outerShdw>
+                </a:effectLst>
+              </a:rPr>
+              <a:t>11</a:t>
+            </a:r>
+          </a:p>
+        </p:txBody>
+      </p:sp>
+      <p:sp>
+        <p:nvSpPr>
+          <p:cNvPr id="10" name="TextBox 9">
+            <a:extLst>
+              <a:ext uri="{FF2B5EF4-FFF2-40B4-BE49-F238E27FC236}">
+                <a16:creationId xmlns:a16="http://schemas.microsoft.com/office/drawing/2014/main" id="{2FF36C00-7839-EE4C-9D22-B402188E680A}"/>
+              </a:ext>
+            </a:extLst>
+          </p:cNvPr>
+          <p:cNvSpPr txBox="1"/>
+          <p:nvPr/>
+        </p:nvSpPr>
+        <p:spPr>
+          <a:xfrm>
+            <a:off x="4031105" y="742955"/>
+            <a:ext cx="7135092" cy="5816977"/>
+          </a:xfrm>
+          <a:prstGeom prst="rect">
+            <a:avLst/>
+          </a:prstGeom>
+          <a:noFill/>
+        </p:spPr>
+        <p:txBody>
+          <a:bodyPr wrap="square" rtlCol="0">
+            <a:spAutoFit/>
+          </a:bodyPr>
+          <a:lstStyle/>
+          <a:p>
+            <a:pPr>
+              <a:lnSpc>
+                <a:spcPct val="150000"/>
+              </a:lnSpc>
+            </a:pPr>
+            <a:r>
+              <a:rPr lang="en-US" sz="7200">
+                <a:ln w="0"/>
+                <a:solidFill>
+                  <a:schemeClr val="bg1"/>
+                </a:solidFill>
+                <a:effectLst>
+                  <a:outerShdw blurRad="38100" dist="19050" dir="2700000" algn="tl" rotWithShape="0">
+                    <a:schemeClr val="dk1">
+                      <a:alpha val="40000"/>
+                    </a:schemeClr>
+                  </a:outerShdw>
+                </a:effectLst>
+              </a:rPr>
+              <a:t>Mathematica</a:t>
+            </a:r>
+          </a:p>
+          <a:p>
+            <a:endParaRPr lang="en-US" sz="6600">
+              <a:ln w="0">
+                <a:solidFill>
+                  <a:schemeClr val="bg1">
+                    <a:lumMod val="95000"/>
+                  </a:schemeClr>
+                </a:solidFill>
+              </a:ln>
+              <a:solidFill>
+                <a:srgbClr val="FFFF00"/>
+              </a:solidFill>
+            </a:endParaRPr>
+          </a:p>
+          <a:p>
+            <a:r>
+              <a:rPr lang="en-US" sz="6600">
+                <a:ln w="0">
+                  <a:solidFill>
+                    <a:schemeClr val="bg1">
+                      <a:lumMod val="95000"/>
+                    </a:schemeClr>
+                  </a:solidFill>
+                </a:ln>
+                <a:solidFill>
+                  <a:srgbClr val="FFFF00"/>
+                </a:solidFill>
+              </a:rPr>
+              <a:t>Ma trận và hệ phương trình tuyến tính</a:t>
+            </a:r>
+          </a:p>
+        </p:txBody>
+      </p:sp>
+      <p:pic>
+        <p:nvPicPr>
+          <p:cNvPr id="3" name="Picture 2">
+            <a:extLst>
+              <a:ext uri="{FF2B5EF4-FFF2-40B4-BE49-F238E27FC236}">
+                <a16:creationId xmlns:a16="http://schemas.microsoft.com/office/drawing/2014/main" id="{848042C1-8E08-AF4C-BC32-F482391BE82A}"/>
+              </a:ext>
+            </a:extLst>
+          </p:cNvPr>
+          <p:cNvPicPr>
+            <a:picLocks noChangeAspect="1"/>
+          </p:cNvPicPr>
+          <p:nvPr/>
+        </p:nvPicPr>
+        <p:blipFill>
+          <a:blip r:embed="rId2"/>
+          <a:stretch>
+            <a:fillRect/>
+          </a:stretch>
+        </p:blipFill>
+        <p:spPr>
+          <a:xfrm>
+            <a:off x="501815" y="370115"/>
+            <a:ext cx="2798598" cy="2943545"/>
+          </a:xfrm>
+          <a:prstGeom prst="rect">
+            <a:avLst/>
+          </a:prstGeom>
+        </p:spPr>
+      </p:pic>
+    </p:spTree>
+    <p:extLst>
+      <p:ext uri="{BB962C8B-B14F-4D97-AF65-F5344CB8AC3E}">
+        <p14:creationId xmlns:p14="http://schemas.microsoft.com/office/powerpoint/2010/main" val="1928804365"/>
+      </p:ext>
+    </p:extLst>
+  </p:cSld>
+  <p:clrMapOvr>
+    <a:masterClrMapping/>
+  </p:clrMapOvr>
+</p:sld>
+</file>
+
 <file path=ppt/slides/slide2.xml><?xml version="1.0" encoding="utf-8"?>
 <p:sld xmlns:a="http://schemas.openxmlformats.org/drawingml/2006/main" xmlns:r="http://schemas.openxmlformats.org/officeDocument/2006/relationships" xmlns:p="http://schemas.openxmlformats.org/presentationml/2006/main">
   <p:cSld>
@@ -4585,6 +5113,1050 @@
     <p:extLst>
       <p:ext uri="{BB962C8B-B14F-4D97-AF65-F5344CB8AC3E}">
         <p14:creationId xmlns:p14="http://schemas.microsoft.com/office/powerpoint/2010/main" val="3116706292"/>
+      </p:ext>
+    </p:extLst>
+  </p:cSld>
+  <p:clrMapOvr>
+    <a:masterClrMapping/>
+  </p:clrMapOvr>
+</p:sld>
+</file>
+
+<file path=ppt/slides/slide6.xml><?xml version="1.0" encoding="utf-8"?>
+<p:sld xmlns:a="http://schemas.openxmlformats.org/drawingml/2006/main" xmlns:r="http://schemas.openxmlformats.org/officeDocument/2006/relationships" xmlns:p="http://schemas.openxmlformats.org/presentationml/2006/main">
+  <p:cSld>
+    <p:spTree>
+      <p:nvGrpSpPr>
+        <p:cNvPr id="1" name=""/>
+        <p:cNvGrpSpPr/>
+        <p:nvPr/>
+      </p:nvGrpSpPr>
+      <p:grpSpPr>
+        <a:xfrm>
+          <a:off x="0" y="0"/>
+          <a:ext cx="0" cy="0"/>
+          <a:chOff x="0" y="0"/>
+          <a:chExt cx="0" cy="0"/>
+        </a:xfrm>
+      </p:grpSpPr>
+      <p:sp>
+        <p:nvSpPr>
+          <p:cNvPr id="14" name="Rectangle 13">
+            <a:extLst>
+              <a:ext uri="{FF2B5EF4-FFF2-40B4-BE49-F238E27FC236}">
+                <a16:creationId xmlns:a16="http://schemas.microsoft.com/office/drawing/2014/main" id="{477FD363-B852-224A-95BD-B2F426234F37}"/>
+              </a:ext>
+            </a:extLst>
+          </p:cNvPr>
+          <p:cNvSpPr/>
+          <p:nvPr/>
+        </p:nvSpPr>
+        <p:spPr>
+          <a:xfrm>
+            <a:off x="0" y="0"/>
+            <a:ext cx="12192000" cy="6858000"/>
+          </a:xfrm>
+          <a:prstGeom prst="rect">
+            <a:avLst/>
+          </a:prstGeom>
+          <a:solidFill>
+            <a:schemeClr val="accent6">
+              <a:lumMod val="75000"/>
+            </a:schemeClr>
+          </a:solidFill>
+        </p:spPr>
+        <p:style>
+          <a:lnRef idx="0">
+            <a:schemeClr val="accent6"/>
+          </a:lnRef>
+          <a:fillRef idx="3">
+            <a:schemeClr val="accent6"/>
+          </a:fillRef>
+          <a:effectRef idx="3">
+            <a:schemeClr val="accent6"/>
+          </a:effectRef>
+          <a:fontRef idx="minor">
+            <a:schemeClr val="lt1"/>
+          </a:fontRef>
+        </p:style>
+        <p:txBody>
+          <a:bodyPr rtlCol="0" anchor="ctr"/>
+          <a:lstStyle/>
+          <a:p>
+            <a:pPr algn="ctr"/>
+            <a:endParaRPr lang="en-US"/>
+          </a:p>
+        </p:txBody>
+      </p:sp>
+      <p:sp>
+        <p:nvSpPr>
+          <p:cNvPr id="2" name="Oval 1">
+            <a:extLst>
+              <a:ext uri="{FF2B5EF4-FFF2-40B4-BE49-F238E27FC236}">
+                <a16:creationId xmlns:a16="http://schemas.microsoft.com/office/drawing/2014/main" id="{ECE07222-FAD7-084C-9B9D-F1446E2E1CBC}"/>
+              </a:ext>
+            </a:extLst>
+          </p:cNvPr>
+          <p:cNvSpPr/>
+          <p:nvPr/>
+        </p:nvSpPr>
+        <p:spPr>
+          <a:xfrm>
+            <a:off x="834314" y="3410669"/>
+            <a:ext cx="2133600" cy="2133600"/>
+          </a:xfrm>
+          <a:prstGeom prst="ellipse">
+            <a:avLst/>
+          </a:prstGeom>
+        </p:spPr>
+        <p:style>
+          <a:lnRef idx="1">
+            <a:schemeClr val="accent5"/>
+          </a:lnRef>
+          <a:fillRef idx="3">
+            <a:schemeClr val="accent5"/>
+          </a:fillRef>
+          <a:effectRef idx="2">
+            <a:schemeClr val="accent5"/>
+          </a:effectRef>
+          <a:fontRef idx="minor">
+            <a:schemeClr val="lt1"/>
+          </a:fontRef>
+        </p:style>
+        <p:txBody>
+          <a:bodyPr rot="0" spcFirstLastPara="0" vertOverflow="overflow" horzOverflow="overflow" vert="horz" wrap="square" lIns="91440" tIns="45720" rIns="91440" bIns="45720" numCol="1" spcCol="0" rtlCol="0" fromWordArt="0" anchor="ctr" anchorCtr="0" forceAA="0" compatLnSpc="1">
+            <a:prstTxWarp prst="textNoShape">
+              <a:avLst/>
+            </a:prstTxWarp>
+            <a:noAutofit/>
+          </a:bodyPr>
+          <a:lstStyle/>
+          <a:p>
+            <a:pPr algn="ctr"/>
+            <a:r>
+              <a:rPr lang="en-US" sz="9600" b="1">
+                <a:ln w="10160">
+                  <a:solidFill>
+                    <a:schemeClr val="accent5"/>
+                  </a:solidFill>
+                  <a:prstDash val="solid"/>
+                </a:ln>
+                <a:solidFill>
+                  <a:srgbClr val="FFFFFF"/>
+                </a:solidFill>
+                <a:effectLst>
+                  <a:outerShdw blurRad="38100" dist="22860" dir="5400000" algn="tl" rotWithShape="0">
+                    <a:srgbClr val="000000">
+                      <a:alpha val="30000"/>
+                    </a:srgbClr>
+                  </a:outerShdw>
+                </a:effectLst>
+              </a:rPr>
+              <a:t>06</a:t>
+            </a:r>
+          </a:p>
+        </p:txBody>
+      </p:sp>
+      <p:sp>
+        <p:nvSpPr>
+          <p:cNvPr id="10" name="TextBox 9">
+            <a:extLst>
+              <a:ext uri="{FF2B5EF4-FFF2-40B4-BE49-F238E27FC236}">
+                <a16:creationId xmlns:a16="http://schemas.microsoft.com/office/drawing/2014/main" id="{2FF36C00-7839-EE4C-9D22-B402188E680A}"/>
+              </a:ext>
+            </a:extLst>
+          </p:cNvPr>
+          <p:cNvSpPr txBox="1"/>
+          <p:nvPr/>
+        </p:nvSpPr>
+        <p:spPr>
+          <a:xfrm>
+            <a:off x="4031105" y="742955"/>
+            <a:ext cx="7135092" cy="4801314"/>
+          </a:xfrm>
+          <a:prstGeom prst="rect">
+            <a:avLst/>
+          </a:prstGeom>
+          <a:noFill/>
+        </p:spPr>
+        <p:txBody>
+          <a:bodyPr wrap="square" rtlCol="0">
+            <a:spAutoFit/>
+          </a:bodyPr>
+          <a:lstStyle/>
+          <a:p>
+            <a:pPr>
+              <a:lnSpc>
+                <a:spcPct val="150000"/>
+              </a:lnSpc>
+            </a:pPr>
+            <a:r>
+              <a:rPr lang="en-US" sz="7200">
+                <a:ln w="0"/>
+                <a:solidFill>
+                  <a:schemeClr val="bg1"/>
+                </a:solidFill>
+                <a:effectLst>
+                  <a:outerShdw blurRad="38100" dist="19050" dir="2700000" algn="tl" rotWithShape="0">
+                    <a:schemeClr val="dk1">
+                      <a:alpha val="40000"/>
+                    </a:schemeClr>
+                  </a:outerShdw>
+                </a:effectLst>
+              </a:rPr>
+              <a:t>Mathematica</a:t>
+            </a:r>
+          </a:p>
+          <a:p>
+            <a:endParaRPr lang="en-US" sz="6600">
+              <a:ln w="0">
+                <a:solidFill>
+                  <a:schemeClr val="bg1">
+                    <a:lumMod val="95000"/>
+                  </a:schemeClr>
+                </a:solidFill>
+              </a:ln>
+              <a:solidFill>
+                <a:srgbClr val="FFFF00"/>
+              </a:solidFill>
+            </a:endParaRPr>
+          </a:p>
+          <a:p>
+            <a:r>
+              <a:rPr lang="en-US" sz="6600">
+                <a:ln w="0">
+                  <a:solidFill>
+                    <a:schemeClr val="bg1">
+                      <a:lumMod val="95000"/>
+                    </a:schemeClr>
+                  </a:solidFill>
+                </a:ln>
+                <a:solidFill>
+                  <a:srgbClr val="FFFF00"/>
+                </a:solidFill>
+              </a:rPr>
+              <a:t>Giải phương trình Đại số</a:t>
+            </a:r>
+          </a:p>
+        </p:txBody>
+      </p:sp>
+      <p:pic>
+        <p:nvPicPr>
+          <p:cNvPr id="3" name="Picture 2">
+            <a:extLst>
+              <a:ext uri="{FF2B5EF4-FFF2-40B4-BE49-F238E27FC236}">
+                <a16:creationId xmlns:a16="http://schemas.microsoft.com/office/drawing/2014/main" id="{848042C1-8E08-AF4C-BC32-F482391BE82A}"/>
+              </a:ext>
+            </a:extLst>
+          </p:cNvPr>
+          <p:cNvPicPr>
+            <a:picLocks noChangeAspect="1"/>
+          </p:cNvPicPr>
+          <p:nvPr/>
+        </p:nvPicPr>
+        <p:blipFill>
+          <a:blip r:embed="rId2"/>
+          <a:stretch>
+            <a:fillRect/>
+          </a:stretch>
+        </p:blipFill>
+        <p:spPr>
+          <a:xfrm>
+            <a:off x="501815" y="370115"/>
+            <a:ext cx="2798598" cy="2943545"/>
+          </a:xfrm>
+          <a:prstGeom prst="rect">
+            <a:avLst/>
+          </a:prstGeom>
+        </p:spPr>
+      </p:pic>
+    </p:spTree>
+    <p:extLst>
+      <p:ext uri="{BB962C8B-B14F-4D97-AF65-F5344CB8AC3E}">
+        <p14:creationId xmlns:p14="http://schemas.microsoft.com/office/powerpoint/2010/main" val="3706539604"/>
+      </p:ext>
+    </p:extLst>
+  </p:cSld>
+  <p:clrMapOvr>
+    <a:masterClrMapping/>
+  </p:clrMapOvr>
+</p:sld>
+</file>
+
+<file path=ppt/slides/slide7.xml><?xml version="1.0" encoding="utf-8"?>
+<p:sld xmlns:a="http://schemas.openxmlformats.org/drawingml/2006/main" xmlns:r="http://schemas.openxmlformats.org/officeDocument/2006/relationships" xmlns:p="http://schemas.openxmlformats.org/presentationml/2006/main">
+  <p:cSld>
+    <p:spTree>
+      <p:nvGrpSpPr>
+        <p:cNvPr id="1" name=""/>
+        <p:cNvGrpSpPr/>
+        <p:nvPr/>
+      </p:nvGrpSpPr>
+      <p:grpSpPr>
+        <a:xfrm>
+          <a:off x="0" y="0"/>
+          <a:ext cx="0" cy="0"/>
+          <a:chOff x="0" y="0"/>
+          <a:chExt cx="0" cy="0"/>
+        </a:xfrm>
+      </p:grpSpPr>
+      <p:sp>
+        <p:nvSpPr>
+          <p:cNvPr id="14" name="Rectangle 13">
+            <a:extLst>
+              <a:ext uri="{FF2B5EF4-FFF2-40B4-BE49-F238E27FC236}">
+                <a16:creationId xmlns:a16="http://schemas.microsoft.com/office/drawing/2014/main" id="{477FD363-B852-224A-95BD-B2F426234F37}"/>
+              </a:ext>
+            </a:extLst>
+          </p:cNvPr>
+          <p:cNvSpPr/>
+          <p:nvPr/>
+        </p:nvSpPr>
+        <p:spPr>
+          <a:xfrm>
+            <a:off x="0" y="0"/>
+            <a:ext cx="12192000" cy="6858000"/>
+          </a:xfrm>
+          <a:prstGeom prst="rect">
+            <a:avLst/>
+          </a:prstGeom>
+          <a:solidFill>
+            <a:schemeClr val="accent6">
+              <a:lumMod val="75000"/>
+            </a:schemeClr>
+          </a:solidFill>
+        </p:spPr>
+        <p:style>
+          <a:lnRef idx="0">
+            <a:schemeClr val="accent6"/>
+          </a:lnRef>
+          <a:fillRef idx="3">
+            <a:schemeClr val="accent6"/>
+          </a:fillRef>
+          <a:effectRef idx="3">
+            <a:schemeClr val="accent6"/>
+          </a:effectRef>
+          <a:fontRef idx="minor">
+            <a:schemeClr val="lt1"/>
+          </a:fontRef>
+        </p:style>
+        <p:txBody>
+          <a:bodyPr rtlCol="0" anchor="ctr"/>
+          <a:lstStyle/>
+          <a:p>
+            <a:pPr algn="ctr"/>
+            <a:endParaRPr lang="en-US"/>
+          </a:p>
+        </p:txBody>
+      </p:sp>
+      <p:sp>
+        <p:nvSpPr>
+          <p:cNvPr id="2" name="Oval 1">
+            <a:extLst>
+              <a:ext uri="{FF2B5EF4-FFF2-40B4-BE49-F238E27FC236}">
+                <a16:creationId xmlns:a16="http://schemas.microsoft.com/office/drawing/2014/main" id="{ECE07222-FAD7-084C-9B9D-F1446E2E1CBC}"/>
+              </a:ext>
+            </a:extLst>
+          </p:cNvPr>
+          <p:cNvSpPr/>
+          <p:nvPr/>
+        </p:nvSpPr>
+        <p:spPr>
+          <a:xfrm>
+            <a:off x="834314" y="3410669"/>
+            <a:ext cx="2133600" cy="2133600"/>
+          </a:xfrm>
+          <a:prstGeom prst="ellipse">
+            <a:avLst/>
+          </a:prstGeom>
+        </p:spPr>
+        <p:style>
+          <a:lnRef idx="1">
+            <a:schemeClr val="accent5"/>
+          </a:lnRef>
+          <a:fillRef idx="3">
+            <a:schemeClr val="accent5"/>
+          </a:fillRef>
+          <a:effectRef idx="2">
+            <a:schemeClr val="accent5"/>
+          </a:effectRef>
+          <a:fontRef idx="minor">
+            <a:schemeClr val="lt1"/>
+          </a:fontRef>
+        </p:style>
+        <p:txBody>
+          <a:bodyPr rot="0" spcFirstLastPara="0" vertOverflow="overflow" horzOverflow="overflow" vert="horz" wrap="square" lIns="91440" tIns="45720" rIns="91440" bIns="45720" numCol="1" spcCol="0" rtlCol="0" fromWordArt="0" anchor="ctr" anchorCtr="0" forceAA="0" compatLnSpc="1">
+            <a:prstTxWarp prst="textNoShape">
+              <a:avLst/>
+            </a:prstTxWarp>
+            <a:noAutofit/>
+          </a:bodyPr>
+          <a:lstStyle/>
+          <a:p>
+            <a:pPr algn="ctr"/>
+            <a:r>
+              <a:rPr lang="en-US" sz="9600" b="1">
+                <a:ln w="10160">
+                  <a:solidFill>
+                    <a:schemeClr val="accent5"/>
+                  </a:solidFill>
+                  <a:prstDash val="solid"/>
+                </a:ln>
+                <a:solidFill>
+                  <a:srgbClr val="FFFFFF"/>
+                </a:solidFill>
+                <a:effectLst>
+                  <a:outerShdw blurRad="38100" dist="22860" dir="5400000" algn="tl" rotWithShape="0">
+                    <a:srgbClr val="000000">
+                      <a:alpha val="30000"/>
+                    </a:srgbClr>
+                  </a:outerShdw>
+                </a:effectLst>
+              </a:rPr>
+              <a:t>07</a:t>
+            </a:r>
+          </a:p>
+        </p:txBody>
+      </p:sp>
+      <p:sp>
+        <p:nvSpPr>
+          <p:cNvPr id="10" name="TextBox 9">
+            <a:extLst>
+              <a:ext uri="{FF2B5EF4-FFF2-40B4-BE49-F238E27FC236}">
+                <a16:creationId xmlns:a16="http://schemas.microsoft.com/office/drawing/2014/main" id="{2FF36C00-7839-EE4C-9D22-B402188E680A}"/>
+              </a:ext>
+            </a:extLst>
+          </p:cNvPr>
+          <p:cNvSpPr txBox="1"/>
+          <p:nvPr/>
+        </p:nvSpPr>
+        <p:spPr>
+          <a:xfrm>
+            <a:off x="4031105" y="742955"/>
+            <a:ext cx="7135092" cy="4801314"/>
+          </a:xfrm>
+          <a:prstGeom prst="rect">
+            <a:avLst/>
+          </a:prstGeom>
+          <a:noFill/>
+        </p:spPr>
+        <p:txBody>
+          <a:bodyPr wrap="square" rtlCol="0">
+            <a:spAutoFit/>
+          </a:bodyPr>
+          <a:lstStyle/>
+          <a:p>
+            <a:pPr>
+              <a:lnSpc>
+                <a:spcPct val="150000"/>
+              </a:lnSpc>
+            </a:pPr>
+            <a:r>
+              <a:rPr lang="en-US" sz="7200">
+                <a:ln w="0"/>
+                <a:solidFill>
+                  <a:schemeClr val="bg1"/>
+                </a:solidFill>
+                <a:effectLst>
+                  <a:outerShdw blurRad="38100" dist="19050" dir="2700000" algn="tl" rotWithShape="0">
+                    <a:schemeClr val="dk1">
+                      <a:alpha val="40000"/>
+                    </a:schemeClr>
+                  </a:outerShdw>
+                </a:effectLst>
+              </a:rPr>
+              <a:t>Mathematica</a:t>
+            </a:r>
+          </a:p>
+          <a:p>
+            <a:endParaRPr lang="en-US" sz="6600">
+              <a:ln w="0">
+                <a:solidFill>
+                  <a:schemeClr val="bg1">
+                    <a:lumMod val="95000"/>
+                  </a:schemeClr>
+                </a:solidFill>
+              </a:ln>
+              <a:solidFill>
+                <a:srgbClr val="FFFF00"/>
+              </a:solidFill>
+            </a:endParaRPr>
+          </a:p>
+          <a:p>
+            <a:r>
+              <a:rPr lang="en-US" sz="6600">
+                <a:ln w="0">
+                  <a:solidFill>
+                    <a:schemeClr val="bg1">
+                      <a:lumMod val="95000"/>
+                    </a:schemeClr>
+                  </a:solidFill>
+                </a:ln>
+                <a:solidFill>
+                  <a:srgbClr val="FFFF00"/>
+                </a:solidFill>
+              </a:rPr>
+              <a:t>Tính giới hạn hàm số</a:t>
+            </a:r>
+          </a:p>
+        </p:txBody>
+      </p:sp>
+      <p:pic>
+        <p:nvPicPr>
+          <p:cNvPr id="3" name="Picture 2">
+            <a:extLst>
+              <a:ext uri="{FF2B5EF4-FFF2-40B4-BE49-F238E27FC236}">
+                <a16:creationId xmlns:a16="http://schemas.microsoft.com/office/drawing/2014/main" id="{848042C1-8E08-AF4C-BC32-F482391BE82A}"/>
+              </a:ext>
+            </a:extLst>
+          </p:cNvPr>
+          <p:cNvPicPr>
+            <a:picLocks noChangeAspect="1"/>
+          </p:cNvPicPr>
+          <p:nvPr/>
+        </p:nvPicPr>
+        <p:blipFill>
+          <a:blip r:embed="rId2"/>
+          <a:stretch>
+            <a:fillRect/>
+          </a:stretch>
+        </p:blipFill>
+        <p:spPr>
+          <a:xfrm>
+            <a:off x="501815" y="370115"/>
+            <a:ext cx="2798598" cy="2943545"/>
+          </a:xfrm>
+          <a:prstGeom prst="rect">
+            <a:avLst/>
+          </a:prstGeom>
+        </p:spPr>
+      </p:pic>
+    </p:spTree>
+    <p:extLst>
+      <p:ext uri="{BB962C8B-B14F-4D97-AF65-F5344CB8AC3E}">
+        <p14:creationId xmlns:p14="http://schemas.microsoft.com/office/powerpoint/2010/main" val="1523949011"/>
+      </p:ext>
+    </p:extLst>
+  </p:cSld>
+  <p:clrMapOvr>
+    <a:masterClrMapping/>
+  </p:clrMapOvr>
+</p:sld>
+</file>
+
+<file path=ppt/slides/slide8.xml><?xml version="1.0" encoding="utf-8"?>
+<p:sld xmlns:a="http://schemas.openxmlformats.org/drawingml/2006/main" xmlns:r="http://schemas.openxmlformats.org/officeDocument/2006/relationships" xmlns:p="http://schemas.openxmlformats.org/presentationml/2006/main">
+  <p:cSld>
+    <p:spTree>
+      <p:nvGrpSpPr>
+        <p:cNvPr id="1" name=""/>
+        <p:cNvGrpSpPr/>
+        <p:nvPr/>
+      </p:nvGrpSpPr>
+      <p:grpSpPr>
+        <a:xfrm>
+          <a:off x="0" y="0"/>
+          <a:ext cx="0" cy="0"/>
+          <a:chOff x="0" y="0"/>
+          <a:chExt cx="0" cy="0"/>
+        </a:xfrm>
+      </p:grpSpPr>
+      <p:sp>
+        <p:nvSpPr>
+          <p:cNvPr id="14" name="Rectangle 13">
+            <a:extLst>
+              <a:ext uri="{FF2B5EF4-FFF2-40B4-BE49-F238E27FC236}">
+                <a16:creationId xmlns:a16="http://schemas.microsoft.com/office/drawing/2014/main" id="{477FD363-B852-224A-95BD-B2F426234F37}"/>
+              </a:ext>
+            </a:extLst>
+          </p:cNvPr>
+          <p:cNvSpPr/>
+          <p:nvPr/>
+        </p:nvSpPr>
+        <p:spPr>
+          <a:xfrm>
+            <a:off x="0" y="0"/>
+            <a:ext cx="12192000" cy="6858000"/>
+          </a:xfrm>
+          <a:prstGeom prst="rect">
+            <a:avLst/>
+          </a:prstGeom>
+          <a:solidFill>
+            <a:schemeClr val="accent6">
+              <a:lumMod val="75000"/>
+            </a:schemeClr>
+          </a:solidFill>
+        </p:spPr>
+        <p:style>
+          <a:lnRef idx="0">
+            <a:schemeClr val="accent6"/>
+          </a:lnRef>
+          <a:fillRef idx="3">
+            <a:schemeClr val="accent6"/>
+          </a:fillRef>
+          <a:effectRef idx="3">
+            <a:schemeClr val="accent6"/>
+          </a:effectRef>
+          <a:fontRef idx="minor">
+            <a:schemeClr val="lt1"/>
+          </a:fontRef>
+        </p:style>
+        <p:txBody>
+          <a:bodyPr rtlCol="0" anchor="ctr"/>
+          <a:lstStyle/>
+          <a:p>
+            <a:pPr algn="ctr"/>
+            <a:endParaRPr lang="en-US"/>
+          </a:p>
+        </p:txBody>
+      </p:sp>
+      <p:sp>
+        <p:nvSpPr>
+          <p:cNvPr id="2" name="Oval 1">
+            <a:extLst>
+              <a:ext uri="{FF2B5EF4-FFF2-40B4-BE49-F238E27FC236}">
+                <a16:creationId xmlns:a16="http://schemas.microsoft.com/office/drawing/2014/main" id="{ECE07222-FAD7-084C-9B9D-F1446E2E1CBC}"/>
+              </a:ext>
+            </a:extLst>
+          </p:cNvPr>
+          <p:cNvSpPr/>
+          <p:nvPr/>
+        </p:nvSpPr>
+        <p:spPr>
+          <a:xfrm>
+            <a:off x="834314" y="3410669"/>
+            <a:ext cx="2133600" cy="2133600"/>
+          </a:xfrm>
+          <a:prstGeom prst="ellipse">
+            <a:avLst/>
+          </a:prstGeom>
+        </p:spPr>
+        <p:style>
+          <a:lnRef idx="1">
+            <a:schemeClr val="accent5"/>
+          </a:lnRef>
+          <a:fillRef idx="3">
+            <a:schemeClr val="accent5"/>
+          </a:fillRef>
+          <a:effectRef idx="2">
+            <a:schemeClr val="accent5"/>
+          </a:effectRef>
+          <a:fontRef idx="minor">
+            <a:schemeClr val="lt1"/>
+          </a:fontRef>
+        </p:style>
+        <p:txBody>
+          <a:bodyPr rot="0" spcFirstLastPara="0" vertOverflow="overflow" horzOverflow="overflow" vert="horz" wrap="square" lIns="91440" tIns="45720" rIns="91440" bIns="45720" numCol="1" spcCol="0" rtlCol="0" fromWordArt="0" anchor="ctr" anchorCtr="0" forceAA="0" compatLnSpc="1">
+            <a:prstTxWarp prst="textNoShape">
+              <a:avLst/>
+            </a:prstTxWarp>
+            <a:noAutofit/>
+          </a:bodyPr>
+          <a:lstStyle/>
+          <a:p>
+            <a:pPr algn="ctr"/>
+            <a:r>
+              <a:rPr lang="en-US" sz="9600" b="1">
+                <a:ln w="10160">
+                  <a:solidFill>
+                    <a:schemeClr val="accent5"/>
+                  </a:solidFill>
+                  <a:prstDash val="solid"/>
+                </a:ln>
+                <a:solidFill>
+                  <a:srgbClr val="FFFFFF"/>
+                </a:solidFill>
+                <a:effectLst>
+                  <a:outerShdw blurRad="38100" dist="22860" dir="5400000" algn="tl" rotWithShape="0">
+                    <a:srgbClr val="000000">
+                      <a:alpha val="30000"/>
+                    </a:srgbClr>
+                  </a:outerShdw>
+                </a:effectLst>
+              </a:rPr>
+              <a:t>08</a:t>
+            </a:r>
+          </a:p>
+        </p:txBody>
+      </p:sp>
+      <p:sp>
+        <p:nvSpPr>
+          <p:cNvPr id="10" name="TextBox 9">
+            <a:extLst>
+              <a:ext uri="{FF2B5EF4-FFF2-40B4-BE49-F238E27FC236}">
+                <a16:creationId xmlns:a16="http://schemas.microsoft.com/office/drawing/2014/main" id="{2FF36C00-7839-EE4C-9D22-B402188E680A}"/>
+              </a:ext>
+            </a:extLst>
+          </p:cNvPr>
+          <p:cNvSpPr txBox="1"/>
+          <p:nvPr/>
+        </p:nvSpPr>
+        <p:spPr>
+          <a:xfrm>
+            <a:off x="4031105" y="742955"/>
+            <a:ext cx="7135092" cy="3785652"/>
+          </a:xfrm>
+          <a:prstGeom prst="rect">
+            <a:avLst/>
+          </a:prstGeom>
+          <a:noFill/>
+        </p:spPr>
+        <p:txBody>
+          <a:bodyPr wrap="square" rtlCol="0">
+            <a:spAutoFit/>
+          </a:bodyPr>
+          <a:lstStyle/>
+          <a:p>
+            <a:pPr>
+              <a:lnSpc>
+                <a:spcPct val="150000"/>
+              </a:lnSpc>
+            </a:pPr>
+            <a:r>
+              <a:rPr lang="en-US" sz="7200">
+                <a:ln w="0"/>
+                <a:solidFill>
+                  <a:schemeClr val="bg1"/>
+                </a:solidFill>
+                <a:effectLst>
+                  <a:outerShdw blurRad="38100" dist="19050" dir="2700000" algn="tl" rotWithShape="0">
+                    <a:schemeClr val="dk1">
+                      <a:alpha val="40000"/>
+                    </a:schemeClr>
+                  </a:outerShdw>
+                </a:effectLst>
+              </a:rPr>
+              <a:t>Mathematica</a:t>
+            </a:r>
+          </a:p>
+          <a:p>
+            <a:endParaRPr lang="en-US" sz="6600">
+              <a:ln w="0">
+                <a:solidFill>
+                  <a:schemeClr val="bg1">
+                    <a:lumMod val="95000"/>
+                  </a:schemeClr>
+                </a:solidFill>
+              </a:ln>
+              <a:solidFill>
+                <a:srgbClr val="FFFF00"/>
+              </a:solidFill>
+            </a:endParaRPr>
+          </a:p>
+          <a:p>
+            <a:r>
+              <a:rPr lang="en-US" sz="6600">
+                <a:ln w="0">
+                  <a:solidFill>
+                    <a:schemeClr val="bg1">
+                      <a:lumMod val="95000"/>
+                    </a:schemeClr>
+                  </a:solidFill>
+                </a:ln>
+                <a:solidFill>
+                  <a:srgbClr val="FFFF00"/>
+                </a:solidFill>
+              </a:rPr>
+              <a:t>Đạo hàm</a:t>
+            </a:r>
+          </a:p>
+        </p:txBody>
+      </p:sp>
+      <p:pic>
+        <p:nvPicPr>
+          <p:cNvPr id="3" name="Picture 2">
+            <a:extLst>
+              <a:ext uri="{FF2B5EF4-FFF2-40B4-BE49-F238E27FC236}">
+                <a16:creationId xmlns:a16="http://schemas.microsoft.com/office/drawing/2014/main" id="{848042C1-8E08-AF4C-BC32-F482391BE82A}"/>
+              </a:ext>
+            </a:extLst>
+          </p:cNvPr>
+          <p:cNvPicPr>
+            <a:picLocks noChangeAspect="1"/>
+          </p:cNvPicPr>
+          <p:nvPr/>
+        </p:nvPicPr>
+        <p:blipFill>
+          <a:blip r:embed="rId2"/>
+          <a:stretch>
+            <a:fillRect/>
+          </a:stretch>
+        </p:blipFill>
+        <p:spPr>
+          <a:xfrm>
+            <a:off x="501815" y="370115"/>
+            <a:ext cx="2798598" cy="2943545"/>
+          </a:xfrm>
+          <a:prstGeom prst="rect">
+            <a:avLst/>
+          </a:prstGeom>
+        </p:spPr>
+      </p:pic>
+    </p:spTree>
+    <p:extLst>
+      <p:ext uri="{BB962C8B-B14F-4D97-AF65-F5344CB8AC3E}">
+        <p14:creationId xmlns:p14="http://schemas.microsoft.com/office/powerpoint/2010/main" val="2984273709"/>
+      </p:ext>
+    </p:extLst>
+  </p:cSld>
+  <p:clrMapOvr>
+    <a:masterClrMapping/>
+  </p:clrMapOvr>
+</p:sld>
+</file>
+
+<file path=ppt/slides/slide9.xml><?xml version="1.0" encoding="utf-8"?>
+<p:sld xmlns:a="http://schemas.openxmlformats.org/drawingml/2006/main" xmlns:r="http://schemas.openxmlformats.org/officeDocument/2006/relationships" xmlns:p="http://schemas.openxmlformats.org/presentationml/2006/main">
+  <p:cSld>
+    <p:spTree>
+      <p:nvGrpSpPr>
+        <p:cNvPr id="1" name=""/>
+        <p:cNvGrpSpPr/>
+        <p:nvPr/>
+      </p:nvGrpSpPr>
+      <p:grpSpPr>
+        <a:xfrm>
+          <a:off x="0" y="0"/>
+          <a:ext cx="0" cy="0"/>
+          <a:chOff x="0" y="0"/>
+          <a:chExt cx="0" cy="0"/>
+        </a:xfrm>
+      </p:grpSpPr>
+      <p:sp>
+        <p:nvSpPr>
+          <p:cNvPr id="14" name="Rectangle 13">
+            <a:extLst>
+              <a:ext uri="{FF2B5EF4-FFF2-40B4-BE49-F238E27FC236}">
+                <a16:creationId xmlns:a16="http://schemas.microsoft.com/office/drawing/2014/main" id="{477FD363-B852-224A-95BD-B2F426234F37}"/>
+              </a:ext>
+            </a:extLst>
+          </p:cNvPr>
+          <p:cNvSpPr/>
+          <p:nvPr/>
+        </p:nvSpPr>
+        <p:spPr>
+          <a:xfrm>
+            <a:off x="0" y="0"/>
+            <a:ext cx="12192000" cy="6858000"/>
+          </a:xfrm>
+          <a:prstGeom prst="rect">
+            <a:avLst/>
+          </a:prstGeom>
+          <a:solidFill>
+            <a:schemeClr val="accent6">
+              <a:lumMod val="75000"/>
+            </a:schemeClr>
+          </a:solidFill>
+        </p:spPr>
+        <p:style>
+          <a:lnRef idx="0">
+            <a:schemeClr val="accent6"/>
+          </a:lnRef>
+          <a:fillRef idx="3">
+            <a:schemeClr val="accent6"/>
+          </a:fillRef>
+          <a:effectRef idx="3">
+            <a:schemeClr val="accent6"/>
+          </a:effectRef>
+          <a:fontRef idx="minor">
+            <a:schemeClr val="lt1"/>
+          </a:fontRef>
+        </p:style>
+        <p:txBody>
+          <a:bodyPr rtlCol="0" anchor="ctr"/>
+          <a:lstStyle/>
+          <a:p>
+            <a:pPr algn="ctr"/>
+            <a:endParaRPr lang="en-US"/>
+          </a:p>
+        </p:txBody>
+      </p:sp>
+      <p:sp>
+        <p:nvSpPr>
+          <p:cNvPr id="2" name="Oval 1">
+            <a:extLst>
+              <a:ext uri="{FF2B5EF4-FFF2-40B4-BE49-F238E27FC236}">
+                <a16:creationId xmlns:a16="http://schemas.microsoft.com/office/drawing/2014/main" id="{ECE07222-FAD7-084C-9B9D-F1446E2E1CBC}"/>
+              </a:ext>
+            </a:extLst>
+          </p:cNvPr>
+          <p:cNvSpPr/>
+          <p:nvPr/>
+        </p:nvSpPr>
+        <p:spPr>
+          <a:xfrm>
+            <a:off x="834314" y="3410669"/>
+            <a:ext cx="2133600" cy="2133600"/>
+          </a:xfrm>
+          <a:prstGeom prst="ellipse">
+            <a:avLst/>
+          </a:prstGeom>
+        </p:spPr>
+        <p:style>
+          <a:lnRef idx="1">
+            <a:schemeClr val="accent5"/>
+          </a:lnRef>
+          <a:fillRef idx="3">
+            <a:schemeClr val="accent5"/>
+          </a:fillRef>
+          <a:effectRef idx="2">
+            <a:schemeClr val="accent5"/>
+          </a:effectRef>
+          <a:fontRef idx="minor">
+            <a:schemeClr val="lt1"/>
+          </a:fontRef>
+        </p:style>
+        <p:txBody>
+          <a:bodyPr rot="0" spcFirstLastPara="0" vertOverflow="overflow" horzOverflow="overflow" vert="horz" wrap="square" lIns="91440" tIns="45720" rIns="91440" bIns="45720" numCol="1" spcCol="0" rtlCol="0" fromWordArt="0" anchor="ctr" anchorCtr="0" forceAA="0" compatLnSpc="1">
+            <a:prstTxWarp prst="textNoShape">
+              <a:avLst/>
+            </a:prstTxWarp>
+            <a:noAutofit/>
+          </a:bodyPr>
+          <a:lstStyle/>
+          <a:p>
+            <a:pPr algn="ctr"/>
+            <a:r>
+              <a:rPr lang="en-US" sz="9600" b="1">
+                <a:ln w="10160">
+                  <a:solidFill>
+                    <a:schemeClr val="accent5"/>
+                  </a:solidFill>
+                  <a:prstDash val="solid"/>
+                </a:ln>
+                <a:solidFill>
+                  <a:srgbClr val="FFFFFF"/>
+                </a:solidFill>
+                <a:effectLst>
+                  <a:outerShdw blurRad="38100" dist="22860" dir="5400000" algn="tl" rotWithShape="0">
+                    <a:srgbClr val="000000">
+                      <a:alpha val="30000"/>
+                    </a:srgbClr>
+                  </a:outerShdw>
+                </a:effectLst>
+              </a:rPr>
+              <a:t>09</a:t>
+            </a:r>
+          </a:p>
+        </p:txBody>
+      </p:sp>
+      <p:sp>
+        <p:nvSpPr>
+          <p:cNvPr id="10" name="TextBox 9">
+            <a:extLst>
+              <a:ext uri="{FF2B5EF4-FFF2-40B4-BE49-F238E27FC236}">
+                <a16:creationId xmlns:a16="http://schemas.microsoft.com/office/drawing/2014/main" id="{2FF36C00-7839-EE4C-9D22-B402188E680A}"/>
+              </a:ext>
+            </a:extLst>
+          </p:cNvPr>
+          <p:cNvSpPr txBox="1"/>
+          <p:nvPr/>
+        </p:nvSpPr>
+        <p:spPr>
+          <a:xfrm>
+            <a:off x="4031105" y="742955"/>
+            <a:ext cx="7135092" cy="3785652"/>
+          </a:xfrm>
+          <a:prstGeom prst="rect">
+            <a:avLst/>
+          </a:prstGeom>
+          <a:noFill/>
+        </p:spPr>
+        <p:txBody>
+          <a:bodyPr wrap="square" rtlCol="0">
+            <a:spAutoFit/>
+          </a:bodyPr>
+          <a:lstStyle/>
+          <a:p>
+            <a:pPr>
+              <a:lnSpc>
+                <a:spcPct val="150000"/>
+              </a:lnSpc>
+            </a:pPr>
+            <a:r>
+              <a:rPr lang="en-US" sz="7200">
+                <a:ln w="0"/>
+                <a:solidFill>
+                  <a:schemeClr val="bg1"/>
+                </a:solidFill>
+                <a:effectLst>
+                  <a:outerShdw blurRad="38100" dist="19050" dir="2700000" algn="tl" rotWithShape="0">
+                    <a:schemeClr val="dk1">
+                      <a:alpha val="40000"/>
+                    </a:schemeClr>
+                  </a:outerShdw>
+                </a:effectLst>
+              </a:rPr>
+              <a:t>Mathematica</a:t>
+            </a:r>
+          </a:p>
+          <a:p>
+            <a:endParaRPr lang="en-US" sz="6600">
+              <a:ln w="0">
+                <a:solidFill>
+                  <a:schemeClr val="bg1">
+                    <a:lumMod val="95000"/>
+                  </a:schemeClr>
+                </a:solidFill>
+              </a:ln>
+              <a:solidFill>
+                <a:srgbClr val="FFFF00"/>
+              </a:solidFill>
+            </a:endParaRPr>
+          </a:p>
+          <a:p>
+            <a:r>
+              <a:rPr lang="en-US" sz="6600">
+                <a:ln w="0">
+                  <a:solidFill>
+                    <a:schemeClr val="bg1">
+                      <a:lumMod val="95000"/>
+                    </a:schemeClr>
+                  </a:solidFill>
+                </a:ln>
+                <a:solidFill>
+                  <a:srgbClr val="FFFF00"/>
+                </a:solidFill>
+              </a:rPr>
+              <a:t>Tính tích phân</a:t>
+            </a:r>
+          </a:p>
+        </p:txBody>
+      </p:sp>
+      <p:pic>
+        <p:nvPicPr>
+          <p:cNvPr id="3" name="Picture 2">
+            <a:extLst>
+              <a:ext uri="{FF2B5EF4-FFF2-40B4-BE49-F238E27FC236}">
+                <a16:creationId xmlns:a16="http://schemas.microsoft.com/office/drawing/2014/main" id="{848042C1-8E08-AF4C-BC32-F482391BE82A}"/>
+              </a:ext>
+            </a:extLst>
+          </p:cNvPr>
+          <p:cNvPicPr>
+            <a:picLocks noChangeAspect="1"/>
+          </p:cNvPicPr>
+          <p:nvPr/>
+        </p:nvPicPr>
+        <p:blipFill>
+          <a:blip r:embed="rId2"/>
+          <a:stretch>
+            <a:fillRect/>
+          </a:stretch>
+        </p:blipFill>
+        <p:spPr>
+          <a:xfrm>
+            <a:off x="501815" y="370115"/>
+            <a:ext cx="2798598" cy="2943545"/>
+          </a:xfrm>
+          <a:prstGeom prst="rect">
+            <a:avLst/>
+          </a:prstGeom>
+        </p:spPr>
+      </p:pic>
+    </p:spTree>
+    <p:extLst>
+      <p:ext uri="{BB962C8B-B14F-4D97-AF65-F5344CB8AC3E}">
+        <p14:creationId xmlns:p14="http://schemas.microsoft.com/office/powerpoint/2010/main" val="713664903"/>
       </p:ext>
     </p:extLst>
   </p:cSld>
